--- a/docs/Presentation.pptx
+++ b/docs/Presentation.pptx
@@ -110,6 +110,11 @@
       </a:defRPr>
     </a:lvl9pPr>
   </p:defaultTextStyle>
+  <p:extLst>
+    <p:ext uri="{EFAFB233-063F-42B5-8137-9DF3F51BA10A}">
+      <p15:sldGuideLst xmlns:p15="http://schemas.microsoft.com/office/powerpoint/2012/main"/>
+    </p:ext>
+  </p:extLst>
 </p:presentation>
 </file>
 
@@ -260,7 +265,7 @@
           <a:p>
             <a:fld id="{5739B347-48C7-4550-A167-A1029E92E519}" type="datetimeFigureOut">
               <a:rPr lang="de-DE" smtClean="0"/>
-              <a:t>23.06.2025</a:t>
+              <a:t>24.06.2025</a:t>
             </a:fld>
             <a:endParaRPr lang="de-DE"/>
           </a:p>
@@ -458,7 +463,7 @@
           <a:p>
             <a:fld id="{5739B347-48C7-4550-A167-A1029E92E519}" type="datetimeFigureOut">
               <a:rPr lang="de-DE" smtClean="0"/>
-              <a:t>23.06.2025</a:t>
+              <a:t>24.06.2025</a:t>
             </a:fld>
             <a:endParaRPr lang="de-DE"/>
           </a:p>
@@ -666,7 +671,7 @@
           <a:p>
             <a:fld id="{5739B347-48C7-4550-A167-A1029E92E519}" type="datetimeFigureOut">
               <a:rPr lang="de-DE" smtClean="0"/>
-              <a:t>23.06.2025</a:t>
+              <a:t>24.06.2025</a:t>
             </a:fld>
             <a:endParaRPr lang="de-DE"/>
           </a:p>
@@ -864,7 +869,7 @@
           <a:p>
             <a:fld id="{5739B347-48C7-4550-A167-A1029E92E519}" type="datetimeFigureOut">
               <a:rPr lang="de-DE" smtClean="0"/>
-              <a:t>23.06.2025</a:t>
+              <a:t>24.06.2025</a:t>
             </a:fld>
             <a:endParaRPr lang="de-DE"/>
           </a:p>
@@ -1139,7 +1144,7 @@
           <a:p>
             <a:fld id="{5739B347-48C7-4550-A167-A1029E92E519}" type="datetimeFigureOut">
               <a:rPr lang="de-DE" smtClean="0"/>
-              <a:t>23.06.2025</a:t>
+              <a:t>24.06.2025</a:t>
             </a:fld>
             <a:endParaRPr lang="de-DE"/>
           </a:p>
@@ -1404,7 +1409,7 @@
           <a:p>
             <a:fld id="{5739B347-48C7-4550-A167-A1029E92E519}" type="datetimeFigureOut">
               <a:rPr lang="de-DE" smtClean="0"/>
-              <a:t>23.06.2025</a:t>
+              <a:t>24.06.2025</a:t>
             </a:fld>
             <a:endParaRPr lang="de-DE"/>
           </a:p>
@@ -1816,7 +1821,7 @@
           <a:p>
             <a:fld id="{5739B347-48C7-4550-A167-A1029E92E519}" type="datetimeFigureOut">
               <a:rPr lang="de-DE" smtClean="0"/>
-              <a:t>23.06.2025</a:t>
+              <a:t>24.06.2025</a:t>
             </a:fld>
             <a:endParaRPr lang="de-DE"/>
           </a:p>
@@ -1957,7 +1962,7 @@
           <a:p>
             <a:fld id="{5739B347-48C7-4550-A167-A1029E92E519}" type="datetimeFigureOut">
               <a:rPr lang="de-DE" smtClean="0"/>
-              <a:t>23.06.2025</a:t>
+              <a:t>24.06.2025</a:t>
             </a:fld>
             <a:endParaRPr lang="de-DE"/>
           </a:p>
@@ -2070,7 +2075,7 @@
           <a:p>
             <a:fld id="{5739B347-48C7-4550-A167-A1029E92E519}" type="datetimeFigureOut">
               <a:rPr lang="de-DE" smtClean="0"/>
-              <a:t>23.06.2025</a:t>
+              <a:t>24.06.2025</a:t>
             </a:fld>
             <a:endParaRPr lang="de-DE"/>
           </a:p>
@@ -2381,7 +2386,7 @@
           <a:p>
             <a:fld id="{5739B347-48C7-4550-A167-A1029E92E519}" type="datetimeFigureOut">
               <a:rPr lang="de-DE" smtClean="0"/>
-              <a:t>23.06.2025</a:t>
+              <a:t>24.06.2025</a:t>
             </a:fld>
             <a:endParaRPr lang="de-DE"/>
           </a:p>
@@ -2669,7 +2674,7 @@
           <a:p>
             <a:fld id="{5739B347-48C7-4550-A167-A1029E92E519}" type="datetimeFigureOut">
               <a:rPr lang="de-DE" smtClean="0"/>
-              <a:t>23.06.2025</a:t>
+              <a:t>24.06.2025</a:t>
             </a:fld>
             <a:endParaRPr lang="de-DE"/>
           </a:p>
@@ -2910,7 +2915,7 @@
           <a:p>
             <a:fld id="{5739B347-48C7-4550-A167-A1029E92E519}" type="datetimeFigureOut">
               <a:rPr lang="de-DE" smtClean="0"/>
-              <a:t>23.06.2025</a:t>
+              <a:t>24.06.2025</a:t>
             </a:fld>
             <a:endParaRPr lang="de-DE"/>
           </a:p>
@@ -3646,8 +3651,8 @@
         </p:blipFill>
         <p:spPr bwMode="auto">
           <a:xfrm>
-            <a:off x="7597500" y="0"/>
-            <a:ext cx="5646092" cy="3175927"/>
+            <a:off x="4916908" y="0"/>
+            <a:ext cx="8326684" cy="4683760"/>
           </a:xfrm>
           <a:prstGeom prst="rect">
             <a:avLst/>
@@ -4276,7 +4281,7 @@
         <p:spPr/>
         <p:txBody>
           <a:bodyPr>
-            <a:normAutofit fontScale="70000" lnSpcReduction="20000"/>
+            <a:normAutofit fontScale="55000" lnSpcReduction="20000"/>
           </a:bodyPr>
           <a:lstStyle/>
           <a:p>
@@ -4401,6 +4406,24 @@
             <a:r>
               <a:rPr lang="de-DE" dirty="0" err="1"/>
               <a:t>Playwright</a:t>
+            </a:r>
+            <a:endParaRPr lang="de-DE" dirty="0"/>
+          </a:p>
+          <a:p>
+            <a:pPr lvl="1"/>
+            <a:endParaRPr lang="de-DE" dirty="0"/>
+          </a:p>
+          <a:p>
+            <a:r>
+              <a:rPr lang="de-DE" dirty="0"/>
+              <a:t>Architecture Tests</a:t>
+            </a:r>
+          </a:p>
+          <a:p>
+            <a:pPr lvl="1"/>
+            <a:r>
+              <a:rPr lang="de-DE" dirty="0" err="1"/>
+              <a:t>NetArchTest.Rules</a:t>
             </a:r>
             <a:endParaRPr lang="de-DE" dirty="0"/>
           </a:p>
